--- a/AFRICAN_CHILDppt.pptx
+++ b/AFRICAN_CHILDppt.pptx
@@ -847,7 +847,7 @@
             <a:fld id="{B61BEF0D-F0BB-DE4B-95CE-6DB70DBA9567}" type="datetimeFigureOut">
               <a:rPr lang="en-US" dirty="0"/>
               <a:pPr/>
-              <a:t>12/12/2019</a:t>
+              <a:t>12/13/2019</a:t>
             </a:fld>
             <a:endParaRPr lang="en-US" dirty="0"/>
           </a:p>
@@ -1095,7 +1095,7 @@
             <a:fld id="{B61BEF0D-F0BB-DE4B-95CE-6DB70DBA9567}" type="datetimeFigureOut">
               <a:rPr lang="en-US" dirty="0"/>
               <a:pPr/>
-              <a:t>12/12/2019</a:t>
+              <a:t>12/13/2019</a:t>
             </a:fld>
             <a:endParaRPr lang="en-US" dirty="0"/>
           </a:p>
@@ -1406,7 +1406,7 @@
             <a:fld id="{B61BEF0D-F0BB-DE4B-95CE-6DB70DBA9567}" type="datetimeFigureOut">
               <a:rPr lang="en-US" dirty="0"/>
               <a:pPr/>
-              <a:t>12/12/2019</a:t>
+              <a:t>12/13/2019</a:t>
             </a:fld>
             <a:endParaRPr lang="en-US" dirty="0"/>
           </a:p>
@@ -1744,7 +1744,7 @@
             <a:fld id="{B61BEF0D-F0BB-DE4B-95CE-6DB70DBA9567}" type="datetimeFigureOut">
               <a:rPr lang="en-US" dirty="0"/>
               <a:pPr/>
-              <a:t>12/12/2019</a:t>
+              <a:t>12/13/2019</a:t>
             </a:fld>
             <a:endParaRPr lang="en-US" dirty="0"/>
           </a:p>
@@ -2055,7 +2055,7 @@
             <a:fld id="{B61BEF0D-F0BB-DE4B-95CE-6DB70DBA9567}" type="datetimeFigureOut">
               <a:rPr lang="en-US" dirty="0"/>
               <a:pPr/>
-              <a:t>12/12/2019</a:t>
+              <a:t>12/13/2019</a:t>
             </a:fld>
             <a:endParaRPr lang="en-US" dirty="0"/>
           </a:p>
@@ -2445,7 +2445,7 @@
             <a:fld id="{B61BEF0D-F0BB-DE4B-95CE-6DB70DBA9567}" type="datetimeFigureOut">
               <a:rPr lang="en-US" dirty="0"/>
               <a:pPr/>
-              <a:t>12/12/2019</a:t>
+              <a:t>12/13/2019</a:t>
             </a:fld>
             <a:endParaRPr lang="en-US" dirty="0"/>
           </a:p>
@@ -2611,7 +2611,7 @@
           <a:p>
             <a:fld id="{55C6B4A9-1611-4792-9094-5F34BCA07E0B}" type="datetimeFigureOut">
               <a:rPr lang="en-US" dirty="0"/>
-              <a:t>12/12/2019</a:t>
+              <a:t>12/13/2019</a:t>
             </a:fld>
             <a:endParaRPr lang="en-US" dirty="0"/>
           </a:p>
@@ -2787,7 +2787,7 @@
             <a:fld id="{B61BEF0D-F0BB-DE4B-95CE-6DB70DBA9567}" type="datetimeFigureOut">
               <a:rPr lang="en-US" dirty="0"/>
               <a:pPr/>
-              <a:t>12/12/2019</a:t>
+              <a:t>12/13/2019</a:t>
             </a:fld>
             <a:endParaRPr lang="en-US" dirty="0"/>
           </a:p>
@@ -2960,7 +2960,7 @@
             <a:fld id="{B61BEF0D-F0BB-DE4B-95CE-6DB70DBA9567}" type="datetimeFigureOut">
               <a:rPr lang="en-US" dirty="0"/>
               <a:pPr/>
-              <a:t>12/12/2019</a:t>
+              <a:t>12/13/2019</a:t>
             </a:fld>
             <a:endParaRPr lang="en-US" dirty="0"/>
           </a:p>
@@ -3204,7 +3204,7 @@
             <a:fld id="{B61BEF0D-F0BB-DE4B-95CE-6DB70DBA9567}" type="datetimeFigureOut">
               <a:rPr lang="en-US" dirty="0"/>
               <a:pPr/>
-              <a:t>12/12/2019</a:t>
+              <a:t>12/13/2019</a:t>
             </a:fld>
             <a:endParaRPr lang="en-US" dirty="0"/>
           </a:p>
@@ -3432,7 +3432,7 @@
           <a:p>
             <a:fld id="{EB712588-04B1-427B-82EE-E8DB90309F08}" type="datetimeFigureOut">
               <a:rPr lang="en-US" dirty="0"/>
-              <a:t>12/12/2019</a:t>
+              <a:t>12/13/2019</a:t>
             </a:fld>
             <a:endParaRPr lang="en-US" dirty="0"/>
           </a:p>
@@ -3802,7 +3802,7 @@
             <a:fld id="{B61BEF0D-F0BB-DE4B-95CE-6DB70DBA9567}" type="datetimeFigureOut">
               <a:rPr lang="en-US" dirty="0"/>
               <a:pPr/>
-              <a:t>12/12/2019</a:t>
+              <a:t>12/13/2019</a:t>
             </a:fld>
             <a:endParaRPr lang="en-US" dirty="0"/>
           </a:p>
@@ -3922,7 +3922,7 @@
             <a:fld id="{B61BEF0D-F0BB-DE4B-95CE-6DB70DBA9567}" type="datetimeFigureOut">
               <a:rPr lang="en-US" dirty="0"/>
               <a:pPr/>
-              <a:t>12/12/2019</a:t>
+              <a:t>12/13/2019</a:t>
             </a:fld>
             <a:endParaRPr lang="en-US" dirty="0"/>
           </a:p>
@@ -4014,7 +4014,7 @@
             <a:fld id="{B61BEF0D-F0BB-DE4B-95CE-6DB70DBA9567}" type="datetimeFigureOut">
               <a:rPr lang="en-US" dirty="0"/>
               <a:pPr/>
-              <a:t>12/12/2019</a:t>
+              <a:t>12/13/2019</a:t>
             </a:fld>
             <a:endParaRPr lang="en-US" dirty="0"/>
           </a:p>
@@ -4265,7 +4265,7 @@
           <a:p>
             <a:fld id="{42A54C80-263E-416B-A8E0-580EDEADCBDC}" type="datetimeFigureOut">
               <a:rPr lang="en-US" dirty="0"/>
-              <a:t>12/12/2019</a:t>
+              <a:t>12/13/2019</a:t>
             </a:fld>
             <a:endParaRPr lang="en-US" dirty="0"/>
           </a:p>
@@ -4524,7 +4524,7 @@
             <a:fld id="{B61BEF0D-F0BB-DE4B-95CE-6DB70DBA9567}" type="datetimeFigureOut">
               <a:rPr lang="en-US" dirty="0"/>
               <a:pPr/>
-              <a:t>12/12/2019</a:t>
+              <a:t>12/13/2019</a:t>
             </a:fld>
             <a:endParaRPr lang="en-US" dirty="0"/>
           </a:p>
@@ -5264,7 +5264,7 @@
             <a:fld id="{B61BEF0D-F0BB-DE4B-95CE-6DB70DBA9567}" type="datetimeFigureOut">
               <a:rPr lang="en-US" dirty="0"/>
               <a:pPr/>
-              <a:t>12/12/2019</a:t>
+              <a:t>12/13/2019</a:t>
             </a:fld>
             <a:endParaRPr lang="en-US" dirty="0"/>
           </a:p>
@@ -5962,7 +5962,7 @@
             <p:ph idx="1"/>
           </p:nvPr>
         </p:nvPicPr>
-        <p:blipFill>
+        <p:blipFill rotWithShape="1">
           <a:blip r:embed="rId2">
             <a:extLst>
               <a:ext uri="{28A0092B-C50C-407E-A947-70E740481C1C}">
@@ -5970,14 +5970,13 @@
               </a:ext>
             </a:extLst>
           </a:blip>
-          <a:stretch>
-            <a:fillRect/>
-          </a:stretch>
+          <a:srcRect l="-142" t="9066" r="426" b="6118"/>
+          <a:stretch/>
         </p:blipFill>
         <p:spPr>
           <a:xfrm>
-            <a:off x="195943" y="2160588"/>
-            <a:ext cx="9183187" cy="4697412"/>
+            <a:off x="809898" y="1930400"/>
+            <a:ext cx="9771016" cy="4640217"/>
           </a:xfrm>
         </p:spPr>
       </p:pic>
@@ -6059,7 +6058,7 @@
             <p:ph idx="1"/>
           </p:nvPr>
         </p:nvPicPr>
-        <p:blipFill>
+        <p:blipFill rotWithShape="1">
           <a:blip r:embed="rId2">
             <a:extLst>
               <a:ext uri="{28A0092B-C50C-407E-A947-70E740481C1C}">
@@ -6067,14 +6066,13 @@
               </a:ext>
             </a:extLst>
           </a:blip>
-          <a:stretch>
-            <a:fillRect/>
-          </a:stretch>
+          <a:srcRect l="-1" t="9104" r="705" b="5625"/>
+          <a:stretch/>
         </p:blipFill>
         <p:spPr>
           <a:xfrm>
-            <a:off x="677334" y="1737360"/>
-            <a:ext cx="7750535" cy="4304665"/>
+            <a:off x="836024" y="1930400"/>
+            <a:ext cx="9091748" cy="4548778"/>
           </a:xfrm>
         </p:spPr>
       </p:pic>
@@ -6156,7 +6154,7 @@
             <p:ph idx="1"/>
           </p:nvPr>
         </p:nvPicPr>
-        <p:blipFill>
+        <p:blipFill rotWithShape="1">
           <a:blip r:embed="rId2">
             <a:extLst>
               <a:ext uri="{28A0092B-C50C-407E-A947-70E740481C1C}">
@@ -6164,14 +6162,13 @@
               </a:ext>
             </a:extLst>
           </a:blip>
-          <a:stretch>
-            <a:fillRect/>
-          </a:stretch>
+          <a:srcRect l="-466" t="9602" r="933" b="6206"/>
+          <a:stretch/>
         </p:blipFill>
         <p:spPr>
           <a:xfrm>
-            <a:off x="457200" y="1930400"/>
-            <a:ext cx="8399417" cy="4111625"/>
+            <a:off x="677334" y="1930401"/>
+            <a:ext cx="9681512" cy="4718594"/>
           </a:xfrm>
         </p:spPr>
       </p:pic>
@@ -7110,12 +7107,28 @@
               <a:t>This website contain </a:t>
             </a:r>
             <a:r>
+              <a:rPr lang="en-US" sz="2700" dirty="0">
+                <a:solidFill>
+                  <a:schemeClr val="tx1"/>
+                </a:solidFill>
+              </a:rPr>
+              <a:t>7</a:t>
+            </a:r>
+            <a:r>
               <a:rPr lang="en-US" sz="2700" dirty="0" smtClean="0">
                 <a:solidFill>
                   <a:schemeClr val="tx1"/>
                 </a:solidFill>
               </a:rPr>
-              <a:t>8 html pages)</a:t>
+              <a:t> </a:t>
+            </a:r>
+            <a:r>
+              <a:rPr lang="en-US" sz="2700" dirty="0" smtClean="0">
+                <a:solidFill>
+                  <a:schemeClr val="tx1"/>
+                </a:solidFill>
+              </a:rPr>
+              <a:t>html pages)</a:t>
             </a:r>
             <a:r>
               <a:rPr lang="en-US" dirty="0"/>
@@ -7130,7 +7143,7 @@
       </p:sp>
       <p:pic>
         <p:nvPicPr>
-          <p:cNvPr id="4" name="Content Placeholder 3"/>
+          <p:cNvPr id="5" name="Content Placeholder 4"/>
           <p:cNvPicPr>
             <a:picLocks noGrp="1" noChangeAspect="1"/>
           </p:cNvPicPr>
@@ -7138,7 +7151,7 @@
             <p:ph idx="1"/>
           </p:nvPr>
         </p:nvPicPr>
-        <p:blipFill>
+        <p:blipFill rotWithShape="1">
           <a:blip r:embed="rId2">
             <a:extLst>
               <a:ext uri="{28A0092B-C50C-407E-A947-70E740481C1C}">
@@ -7146,14 +7159,13 @@
               </a:ext>
             </a:extLst>
           </a:blip>
-          <a:stretch>
-            <a:fillRect/>
-          </a:stretch>
+          <a:srcRect l="-240" t="9927" r="1560" b="12591"/>
+          <a:stretch/>
         </p:blipFill>
         <p:spPr>
           <a:xfrm>
-            <a:off x="677333" y="1724296"/>
-            <a:ext cx="9616197" cy="4616065"/>
+            <a:off x="875210" y="1854926"/>
+            <a:ext cx="10189029" cy="4650377"/>
           </a:xfrm>
         </p:spPr>
       </p:pic>
@@ -7219,7 +7231,7 @@
             <p:ph idx="1"/>
           </p:nvPr>
         </p:nvPicPr>
-        <p:blipFill>
+        <p:blipFill rotWithShape="1">
           <a:blip r:embed="rId2">
             <a:extLst>
               <a:ext uri="{28A0092B-C50C-407E-A947-70E740481C1C}">
@@ -7227,14 +7239,13 @@
               </a:ext>
             </a:extLst>
           </a:blip>
-          <a:stretch>
-            <a:fillRect/>
-          </a:stretch>
+          <a:srcRect l="697" t="9621" r="1949" b="5562"/>
+          <a:stretch/>
         </p:blipFill>
         <p:spPr>
           <a:xfrm>
-            <a:off x="404949" y="2160588"/>
-            <a:ext cx="9379131" cy="4697412"/>
+            <a:off x="470263" y="1802674"/>
+            <a:ext cx="9823268" cy="4794069"/>
           </a:xfrm>
         </p:spPr>
       </p:pic>
@@ -7301,7 +7312,7 @@
             <p:ph idx="1"/>
           </p:nvPr>
         </p:nvPicPr>
-        <p:blipFill>
+        <p:blipFill rotWithShape="1">
           <a:blip r:embed="rId2">
             <a:extLst>
               <a:ext uri="{28A0092B-C50C-407E-A947-70E740481C1C}">
@@ -7309,14 +7320,13 @@
               </a:ext>
             </a:extLst>
           </a:blip>
-          <a:stretch>
-            <a:fillRect/>
-          </a:stretch>
+          <a:srcRect l="1238" t="11885" r="2120" b="6440"/>
+          <a:stretch/>
         </p:blipFill>
         <p:spPr>
           <a:xfrm>
-            <a:off x="677334" y="2160588"/>
-            <a:ext cx="8596668" cy="4462281"/>
+            <a:off x="233102" y="1828800"/>
+            <a:ext cx="10049758" cy="4767943"/>
           </a:xfrm>
         </p:spPr>
       </p:pic>
@@ -7632,7 +7642,7 @@
             <p:ph idx="1"/>
           </p:nvPr>
         </p:nvPicPr>
-        <p:blipFill>
+        <p:blipFill rotWithShape="1">
           <a:blip r:embed="rId2">
             <a:extLst>
               <a:ext uri="{28A0092B-C50C-407E-A947-70E740481C1C}">
@@ -7640,14 +7650,13 @@
               </a:ext>
             </a:extLst>
           </a:blip>
-          <a:stretch>
-            <a:fillRect/>
-          </a:stretch>
+          <a:srcRect t="11171" r="2120" b="5644"/>
+          <a:stretch/>
         </p:blipFill>
         <p:spPr>
           <a:xfrm>
-            <a:off x="261257" y="2160588"/>
-            <a:ext cx="9248503" cy="4396966"/>
+            <a:off x="677334" y="1554480"/>
+            <a:ext cx="9733762" cy="4754880"/>
           </a:xfrm>
         </p:spPr>
       </p:pic>
